--- a/android/immersive/doc/slides.pptx
+++ b/android/immersive/doc/slides.pptx
@@ -200,7 +200,7 @@
           <a:p>
             <a:fld id="{1754DC37-AFFD-475C-B21C-C575C7075001}" type="datetimeFigureOut">
               <a:rPr lang="en-US" smtClean="0"/>
-              <a:t>7/31/2015</a:t>
+              <a:t>8/6/2015</a:t>
             </a:fld>
             <a:endParaRPr lang="en-US"/>
           </a:p>
@@ -3732,9 +3732,140 @@
           <a:chExt cx="0" cy="0"/>
         </a:xfrm>
       </p:grpSpPr>
+      <p:sp>
+        <p:nvSpPr>
+          <p:cNvPr id="6" name="TextBox 5"/>
+          <p:cNvSpPr txBox="1"/>
+          <p:nvPr/>
+        </p:nvSpPr>
+        <p:spPr>
+          <a:xfrm>
+            <a:off x="1593669" y="5947954"/>
+            <a:ext cx="3283131" cy="369332"/>
+          </a:xfrm>
+          <a:prstGeom prst="rect">
+            <a:avLst/>
+          </a:prstGeom>
+          <a:noFill/>
+        </p:spPr>
+        <p:txBody>
+          <a:bodyPr wrap="square" rtlCol="0">
+            <a:spAutoFit/>
+          </a:bodyPr>
+          <a:lstStyle/>
+          <a:p>
+            <a:pPr algn="ctr"/>
+            <a:r>
+              <a:rPr lang="en-US" dirty="0" smtClean="0"/>
+              <a:t>With System UI</a:t>
+            </a:r>
+            <a:endParaRPr lang="en-US" dirty="0"/>
+          </a:p>
+        </p:txBody>
+      </p:sp>
+      <p:sp>
+        <p:nvSpPr>
+          <p:cNvPr id="7" name="TextBox 6"/>
+          <p:cNvSpPr txBox="1"/>
+          <p:nvPr/>
+        </p:nvSpPr>
+        <p:spPr>
+          <a:xfrm>
+            <a:off x="7067004" y="5993283"/>
+            <a:ext cx="3283131" cy="369332"/>
+          </a:xfrm>
+          <a:prstGeom prst="rect">
+            <a:avLst/>
+          </a:prstGeom>
+          <a:noFill/>
+        </p:spPr>
+        <p:txBody>
+          <a:bodyPr wrap="square" rtlCol="0">
+            <a:spAutoFit/>
+          </a:bodyPr>
+          <a:lstStyle/>
+          <a:p>
+            <a:pPr algn="ctr"/>
+            <a:r>
+              <a:rPr lang="en-US" dirty="0" smtClean="0"/>
+              <a:t>Without System UI</a:t>
+            </a:r>
+            <a:endParaRPr lang="en-US" dirty="0"/>
+          </a:p>
+        </p:txBody>
+      </p:sp>
+      <p:sp>
+        <p:nvSpPr>
+          <p:cNvPr id="2" name="Date Placeholder 1"/>
+          <p:cNvSpPr>
+            <a:spLocks noGrp="1"/>
+          </p:cNvSpPr>
+          <p:nvPr>
+            <p:ph type="dt" sz="half" idx="10"/>
+          </p:nvPr>
+        </p:nvSpPr>
+        <p:spPr/>
+        <p:txBody>
+          <a:bodyPr/>
+          <a:lstStyle/>
+          <a:p>
+            <a:r>
+              <a:rPr lang="en-US" smtClean="0"/>
+              <a:t>tutorial/android/immersive</a:t>
+            </a:r>
+            <a:endParaRPr lang="en-US"/>
+          </a:p>
+        </p:txBody>
+      </p:sp>
+      <p:sp>
+        <p:nvSpPr>
+          <p:cNvPr id="3" name="Footer Placeholder 2"/>
+          <p:cNvSpPr>
+            <a:spLocks noGrp="1"/>
+          </p:cNvSpPr>
+          <p:nvPr>
+            <p:ph type="ftr" sz="quarter" idx="11"/>
+          </p:nvPr>
+        </p:nvSpPr>
+        <p:spPr/>
+        <p:txBody>
+          <a:bodyPr/>
+          <a:lstStyle/>
+          <a:p>
+            <a:r>
+              <a:rPr lang="en-US" smtClean="0"/>
+              <a:t>/  4</a:t>
+            </a:r>
+            <a:endParaRPr lang="en-US"/>
+          </a:p>
+        </p:txBody>
+      </p:sp>
+      <p:sp>
+        <p:nvSpPr>
+          <p:cNvPr id="8" name="Slide Number Placeholder 7"/>
+          <p:cNvSpPr>
+            <a:spLocks noGrp="1"/>
+          </p:cNvSpPr>
+          <p:nvPr>
+            <p:ph type="sldNum" sz="quarter" idx="12"/>
+          </p:nvPr>
+        </p:nvSpPr>
+        <p:spPr/>
+        <p:txBody>
+          <a:bodyPr/>
+          <a:lstStyle/>
+          <a:p>
+            <a:fld id="{35FDCE4D-1F70-4CD7-B43D-8A6CC7035CC3}" type="slidenum">
+              <a:rPr lang="en-US" smtClean="0"/>
+              <a:t>2</a:t>
+            </a:fld>
+            <a:endParaRPr lang="en-US"/>
+          </a:p>
+        </p:txBody>
+      </p:sp>
       <p:pic>
         <p:nvPicPr>
-          <p:cNvPr id="4" name="Picture 3"/>
+          <p:cNvPr id="9" name="Picture 8"/>
           <p:cNvPicPr>
             <a:picLocks noChangeAspect="1"/>
           </p:cNvPicPr>
@@ -3754,8 +3885,8 @@
         </p:blipFill>
         <p:spPr>
           <a:xfrm>
-            <a:off x="1432695" y="714101"/>
-            <a:ext cx="3857625" cy="5098869"/>
+            <a:off x="1818322" y="587829"/>
+            <a:ext cx="2833824" cy="5037908"/>
           </a:xfrm>
           <a:prstGeom prst="rect">
             <a:avLst/>
@@ -3764,7 +3895,7 @@
       </p:pic>
       <p:pic>
         <p:nvPicPr>
-          <p:cNvPr id="5" name="Picture 4"/>
+          <p:cNvPr id="10" name="Picture 9"/>
           <p:cNvPicPr>
             <a:picLocks noChangeAspect="1"/>
           </p:cNvPicPr>
@@ -3784,145 +3915,14 @@
         </p:blipFill>
         <p:spPr>
           <a:xfrm>
-            <a:off x="6779758" y="714100"/>
-            <a:ext cx="3857625" cy="5098870"/>
+            <a:off x="7167154" y="536788"/>
+            <a:ext cx="2891246" cy="5139990"/>
           </a:xfrm>
           <a:prstGeom prst="rect">
             <a:avLst/>
           </a:prstGeom>
         </p:spPr>
       </p:pic>
-      <p:sp>
-        <p:nvSpPr>
-          <p:cNvPr id="6" name="TextBox 5"/>
-          <p:cNvSpPr txBox="1"/>
-          <p:nvPr/>
-        </p:nvSpPr>
-        <p:spPr>
-          <a:xfrm>
-            <a:off x="1593669" y="5947954"/>
-            <a:ext cx="3283131" cy="369332"/>
-          </a:xfrm>
-          <a:prstGeom prst="rect">
-            <a:avLst/>
-          </a:prstGeom>
-          <a:noFill/>
-        </p:spPr>
-        <p:txBody>
-          <a:bodyPr wrap="square" rtlCol="0">
-            <a:spAutoFit/>
-          </a:bodyPr>
-          <a:lstStyle/>
-          <a:p>
-            <a:pPr algn="ctr"/>
-            <a:r>
-              <a:rPr lang="en-US" dirty="0" smtClean="0"/>
-              <a:t>With System UI</a:t>
-            </a:r>
-            <a:endParaRPr lang="en-US" dirty="0"/>
-          </a:p>
-        </p:txBody>
-      </p:sp>
-      <p:sp>
-        <p:nvSpPr>
-          <p:cNvPr id="7" name="TextBox 6"/>
-          <p:cNvSpPr txBox="1"/>
-          <p:nvPr/>
-        </p:nvSpPr>
-        <p:spPr>
-          <a:xfrm>
-            <a:off x="7067004" y="5993283"/>
-            <a:ext cx="3283131" cy="369332"/>
-          </a:xfrm>
-          <a:prstGeom prst="rect">
-            <a:avLst/>
-          </a:prstGeom>
-          <a:noFill/>
-        </p:spPr>
-        <p:txBody>
-          <a:bodyPr wrap="square" rtlCol="0">
-            <a:spAutoFit/>
-          </a:bodyPr>
-          <a:lstStyle/>
-          <a:p>
-            <a:pPr algn="ctr"/>
-            <a:r>
-              <a:rPr lang="en-US" dirty="0" smtClean="0"/>
-              <a:t>Without System UI</a:t>
-            </a:r>
-            <a:endParaRPr lang="en-US" dirty="0"/>
-          </a:p>
-        </p:txBody>
-      </p:sp>
-      <p:sp>
-        <p:nvSpPr>
-          <p:cNvPr id="2" name="Date Placeholder 1"/>
-          <p:cNvSpPr>
-            <a:spLocks noGrp="1"/>
-          </p:cNvSpPr>
-          <p:nvPr>
-            <p:ph type="dt" sz="half" idx="10"/>
-          </p:nvPr>
-        </p:nvSpPr>
-        <p:spPr/>
-        <p:txBody>
-          <a:bodyPr/>
-          <a:lstStyle/>
-          <a:p>
-            <a:r>
-              <a:rPr lang="en-US" smtClean="0"/>
-              <a:t>tutorial/android/immersive</a:t>
-            </a:r>
-            <a:endParaRPr lang="en-US"/>
-          </a:p>
-        </p:txBody>
-      </p:sp>
-      <p:sp>
-        <p:nvSpPr>
-          <p:cNvPr id="3" name="Footer Placeholder 2"/>
-          <p:cNvSpPr>
-            <a:spLocks noGrp="1"/>
-          </p:cNvSpPr>
-          <p:nvPr>
-            <p:ph type="ftr" sz="quarter" idx="11"/>
-          </p:nvPr>
-        </p:nvSpPr>
-        <p:spPr/>
-        <p:txBody>
-          <a:bodyPr/>
-          <a:lstStyle/>
-          <a:p>
-            <a:r>
-              <a:rPr lang="en-US" smtClean="0"/>
-              <a:t>/  4</a:t>
-            </a:r>
-            <a:endParaRPr lang="en-US"/>
-          </a:p>
-        </p:txBody>
-      </p:sp>
-      <p:sp>
-        <p:nvSpPr>
-          <p:cNvPr id="8" name="Slide Number Placeholder 7"/>
-          <p:cNvSpPr>
-            <a:spLocks noGrp="1"/>
-          </p:cNvSpPr>
-          <p:nvPr>
-            <p:ph type="sldNum" sz="quarter" idx="12"/>
-          </p:nvPr>
-        </p:nvSpPr>
-        <p:spPr/>
-        <p:txBody>
-          <a:bodyPr/>
-          <a:lstStyle/>
-          <a:p>
-            <a:fld id="{35FDCE4D-1F70-4CD7-B43D-8A6CC7035CC3}" type="slidenum">
-              <a:rPr lang="en-US" smtClean="0"/>
-              <a:t>2</a:t>
-            </a:fld>
-            <a:endParaRPr lang="en-US"/>
-          </a:p>
-        </p:txBody>
-      </p:sp>
     </p:spTree>
     <p:extLst>
       <p:ext uri="{BB962C8B-B14F-4D97-AF65-F5344CB8AC3E}">
